--- a/FinalPresentation.pptx
+++ b/FinalPresentation.pptx
@@ -110,6 +110,11 @@
       </a:defRPr>
     </a:lvl9pPr>
   </p:defaultTextStyle>
+  <p:extLst>
+    <p:ext uri="{EFAFB233-063F-42B5-8137-9DF3F51BA10A}">
+      <p15:sldGuideLst xmlns:p15="http://schemas.microsoft.com/office/powerpoint/2012/main"/>
+    </p:ext>
+  </p:extLst>
 </p:presentation>
 </file>
 
@@ -260,7 +265,7 @@
           <a:p>
             <a:fld id="{1613C3E9-1F04-4082-8A5A-E0939CF3D19C}" type="datetimeFigureOut">
               <a:rPr lang="en-US" smtClean="0"/>
-              <a:t>11/28/2021</a:t>
+              <a:t>11/29/2021</a:t>
             </a:fld>
             <a:endParaRPr lang="en-US"/>
           </a:p>
@@ -494,7 +499,7 @@
           <a:p>
             <a:fld id="{1613C3E9-1F04-4082-8A5A-E0939CF3D19C}" type="datetimeFigureOut">
               <a:rPr lang="en-US" smtClean="0"/>
-              <a:t>11/28/2021</a:t>
+              <a:t>11/29/2021</a:t>
             </a:fld>
             <a:endParaRPr lang="en-US"/>
           </a:p>
@@ -702,7 +707,7 @@
           <a:p>
             <a:fld id="{1613C3E9-1F04-4082-8A5A-E0939CF3D19C}" type="datetimeFigureOut">
               <a:rPr lang="en-US" smtClean="0"/>
-              <a:t>11/28/2021</a:t>
+              <a:t>11/29/2021</a:t>
             </a:fld>
             <a:endParaRPr lang="en-US"/>
           </a:p>
@@ -900,7 +905,7 @@
           <a:p>
             <a:fld id="{1613C3E9-1F04-4082-8A5A-E0939CF3D19C}" type="datetimeFigureOut">
               <a:rPr lang="en-US" smtClean="0"/>
-              <a:t>11/28/2021</a:t>
+              <a:t>11/29/2021</a:t>
             </a:fld>
             <a:endParaRPr lang="en-US"/>
           </a:p>
@@ -1212,7 +1217,7 @@
           <a:p>
             <a:fld id="{1613C3E9-1F04-4082-8A5A-E0939CF3D19C}" type="datetimeFigureOut">
               <a:rPr lang="en-US" smtClean="0"/>
-              <a:t>11/28/2021</a:t>
+              <a:t>11/29/2021</a:t>
             </a:fld>
             <a:endParaRPr lang="en-US"/>
           </a:p>
@@ -1477,7 +1482,7 @@
           <a:p>
             <a:fld id="{1613C3E9-1F04-4082-8A5A-E0939CF3D19C}" type="datetimeFigureOut">
               <a:rPr lang="en-US" smtClean="0"/>
-              <a:t>11/28/2021</a:t>
+              <a:t>11/29/2021</a:t>
             </a:fld>
             <a:endParaRPr lang="en-US"/>
           </a:p>
@@ -1889,7 +1894,7 @@
           <a:p>
             <a:fld id="{1613C3E9-1F04-4082-8A5A-E0939CF3D19C}" type="datetimeFigureOut">
               <a:rPr lang="en-US" smtClean="0"/>
-              <a:t>11/28/2021</a:t>
+              <a:t>11/29/2021</a:t>
             </a:fld>
             <a:endParaRPr lang="en-US"/>
           </a:p>
@@ -2030,7 +2035,7 @@
           <a:p>
             <a:fld id="{1613C3E9-1F04-4082-8A5A-E0939CF3D19C}" type="datetimeFigureOut">
               <a:rPr lang="en-US" smtClean="0"/>
-              <a:t>11/28/2021</a:t>
+              <a:t>11/29/2021</a:t>
             </a:fld>
             <a:endParaRPr lang="en-US"/>
           </a:p>
@@ -2143,7 +2148,7 @@
           <a:p>
             <a:fld id="{1613C3E9-1F04-4082-8A5A-E0939CF3D19C}" type="datetimeFigureOut">
               <a:rPr lang="en-US" smtClean="0"/>
-              <a:t>11/28/2021</a:t>
+              <a:t>11/29/2021</a:t>
             </a:fld>
             <a:endParaRPr lang="en-US"/>
           </a:p>
@@ -2454,7 +2459,7 @@
           <a:p>
             <a:fld id="{1613C3E9-1F04-4082-8A5A-E0939CF3D19C}" type="datetimeFigureOut">
               <a:rPr lang="en-US" smtClean="0"/>
-              <a:t>11/28/2021</a:t>
+              <a:t>11/29/2021</a:t>
             </a:fld>
             <a:endParaRPr lang="en-US"/>
           </a:p>
@@ -2742,7 +2747,7 @@
           <a:p>
             <a:fld id="{1613C3E9-1F04-4082-8A5A-E0939CF3D19C}" type="datetimeFigureOut">
               <a:rPr lang="en-US" smtClean="0"/>
-              <a:t>11/28/2021</a:t>
+              <a:t>11/29/2021</a:t>
             </a:fld>
             <a:endParaRPr lang="en-US"/>
           </a:p>
@@ -2983,7 +2988,7 @@
           <a:p>
             <a:fld id="{1613C3E9-1F04-4082-8A5A-E0939CF3D19C}" type="datetimeFigureOut">
               <a:rPr lang="en-US" smtClean="0"/>
-              <a:t>11/28/2021</a:t>
+              <a:t>11/29/2021</a:t>
             </a:fld>
             <a:endParaRPr lang="en-US"/>
           </a:p>
@@ -5592,7 +5597,7 @@
         </p:nvSpPr>
         <p:spPr>
           <a:xfrm>
-            <a:off x="4433455" y="1690688"/>
+            <a:off x="3587421" y="1639200"/>
             <a:ext cx="8959274" cy="5208875"/>
           </a:xfrm>
         </p:spPr>

--- a/FinalPresentation.pptx
+++ b/FinalPresentation.pptx
@@ -4326,1186 +4326,6 @@
               <a:lnSpc>
                 <a:spcPct val="120000"/>
               </a:lnSpc>
-              <a:spcBef>
-                <a:spcPts val="0"/>
-              </a:spcBef>
-              <a:buNone/>
-            </a:pPr>
-            <a:r>
-              <a:rPr lang="en-US" sz="1200" b="0" i="0" dirty="0">
-                <a:effectLst/>
-                <a:latin typeface="Trebuchet MS" panose="020B0603020202020204" pitchFamily="34" charset="0"/>
-              </a:rPr>
-              <a:t>CREATE TABLE </a:t>
-            </a:r>
-            <a:r>
-              <a:rPr lang="en-US" sz="1200" b="0" i="0" dirty="0" err="1">
-                <a:effectLst/>
-                <a:latin typeface="Trebuchet MS" panose="020B0603020202020204" pitchFamily="34" charset="0"/>
-              </a:rPr>
-              <a:t>red_wine</a:t>
-            </a:r>
-            <a:r>
-              <a:rPr lang="en-US" sz="1200" b="0" i="0" dirty="0">
-                <a:effectLst/>
-                <a:latin typeface="Trebuchet MS" panose="020B0603020202020204" pitchFamily="34" charset="0"/>
-              </a:rPr>
-              <a:t> (</a:t>
-            </a:r>
-          </a:p>
-          <a:p>
-            <a:pPr marL="0" indent="0" algn="l">
-              <a:lnSpc>
-                <a:spcPct val="120000"/>
-              </a:lnSpc>
-              <a:spcBef>
-                <a:spcPts val="0"/>
-              </a:spcBef>
-              <a:buNone/>
-            </a:pPr>
-            <a:r>
-              <a:rPr lang="en-US" sz="1200" b="0" i="0" dirty="0">
-                <a:effectLst/>
-                <a:latin typeface="Trebuchet MS" panose="020B0603020202020204" pitchFamily="34" charset="0"/>
-              </a:rPr>
-              <a:t>     </a:t>
-            </a:r>
-            <a:r>
-              <a:rPr lang="en-US" sz="1200" b="0" i="0" dirty="0" err="1">
-                <a:effectLst/>
-                <a:latin typeface="Trebuchet MS" panose="020B0603020202020204" pitchFamily="34" charset="0"/>
-              </a:rPr>
-              <a:t>fixed_acidity</a:t>
-            </a:r>
-            <a:r>
-              <a:rPr lang="en-US" sz="1200" b="0" i="0" dirty="0">
-                <a:effectLst/>
-                <a:latin typeface="Trebuchet MS" panose="020B0603020202020204" pitchFamily="34" charset="0"/>
-              </a:rPr>
-              <a:t> float ,</a:t>
-            </a:r>
-          </a:p>
-          <a:p>
-            <a:pPr marL="0" indent="0" algn="l">
-              <a:lnSpc>
-                <a:spcPct val="120000"/>
-              </a:lnSpc>
-              <a:spcBef>
-                <a:spcPts val="0"/>
-              </a:spcBef>
-              <a:buNone/>
-            </a:pPr>
-            <a:r>
-              <a:rPr lang="en-US" sz="1200" b="0" i="0" dirty="0">
-                <a:effectLst/>
-                <a:latin typeface="Trebuchet MS" panose="020B0603020202020204" pitchFamily="34" charset="0"/>
-              </a:rPr>
-              <a:t>	     </a:t>
-            </a:r>
-            <a:r>
-              <a:rPr lang="en-US" sz="1200" b="0" i="0" dirty="0" err="1">
-                <a:effectLst/>
-                <a:latin typeface="Trebuchet MS" panose="020B0603020202020204" pitchFamily="34" charset="0"/>
-              </a:rPr>
-              <a:t>volatile_acidity</a:t>
-            </a:r>
-            <a:r>
-              <a:rPr lang="en-US" sz="1200" b="0" i="0" dirty="0">
-                <a:effectLst/>
-                <a:latin typeface="Trebuchet MS" panose="020B0603020202020204" pitchFamily="34" charset="0"/>
-              </a:rPr>
-              <a:t> float ,</a:t>
-            </a:r>
-          </a:p>
-          <a:p>
-            <a:pPr marL="0" indent="0" algn="l">
-              <a:lnSpc>
-                <a:spcPct val="120000"/>
-              </a:lnSpc>
-              <a:spcBef>
-                <a:spcPts val="0"/>
-              </a:spcBef>
-              <a:buNone/>
-            </a:pPr>
-            <a:r>
-              <a:rPr lang="en-US" sz="1200" b="0" i="0" dirty="0">
-                <a:effectLst/>
-                <a:latin typeface="Trebuchet MS" panose="020B0603020202020204" pitchFamily="34" charset="0"/>
-              </a:rPr>
-              <a:t>	     </a:t>
-            </a:r>
-            <a:r>
-              <a:rPr lang="en-US" sz="1200" b="0" i="0" dirty="0" err="1">
-                <a:effectLst/>
-                <a:latin typeface="Trebuchet MS" panose="020B0603020202020204" pitchFamily="34" charset="0"/>
-              </a:rPr>
-              <a:t>citric_acid</a:t>
-            </a:r>
-            <a:r>
-              <a:rPr lang="en-US" sz="1200" b="0" i="0" dirty="0">
-                <a:effectLst/>
-                <a:latin typeface="Trebuchet MS" panose="020B0603020202020204" pitchFamily="34" charset="0"/>
-              </a:rPr>
-              <a:t> float ,</a:t>
-            </a:r>
-          </a:p>
-          <a:p>
-            <a:pPr marL="0" indent="0" algn="l">
-              <a:lnSpc>
-                <a:spcPct val="120000"/>
-              </a:lnSpc>
-              <a:spcBef>
-                <a:spcPts val="0"/>
-              </a:spcBef>
-              <a:buNone/>
-            </a:pPr>
-            <a:r>
-              <a:rPr lang="en-US" sz="1200" b="0" i="0" dirty="0">
-                <a:effectLst/>
-                <a:latin typeface="Trebuchet MS" panose="020B0603020202020204" pitchFamily="34" charset="0"/>
-              </a:rPr>
-              <a:t>	     </a:t>
-            </a:r>
-            <a:r>
-              <a:rPr lang="en-US" sz="1200" b="0" i="0" dirty="0" err="1">
-                <a:effectLst/>
-                <a:latin typeface="Trebuchet MS" panose="020B0603020202020204" pitchFamily="34" charset="0"/>
-              </a:rPr>
-              <a:t>residual_sugar</a:t>
-            </a:r>
-            <a:r>
-              <a:rPr lang="en-US" sz="1200" b="0" i="0" dirty="0">
-                <a:effectLst/>
-                <a:latin typeface="Trebuchet MS" panose="020B0603020202020204" pitchFamily="34" charset="0"/>
-              </a:rPr>
-              <a:t> float ,</a:t>
-            </a:r>
-          </a:p>
-          <a:p>
-            <a:pPr marL="0" indent="0" algn="l">
-              <a:lnSpc>
-                <a:spcPct val="120000"/>
-              </a:lnSpc>
-              <a:spcBef>
-                <a:spcPts val="0"/>
-              </a:spcBef>
-              <a:buNone/>
-            </a:pPr>
-            <a:r>
-              <a:rPr lang="en-US" sz="1200" b="0" i="0" dirty="0">
-                <a:effectLst/>
-                <a:latin typeface="Trebuchet MS" panose="020B0603020202020204" pitchFamily="34" charset="0"/>
-              </a:rPr>
-              <a:t>	     chlorides float ,</a:t>
-            </a:r>
-          </a:p>
-          <a:p>
-            <a:pPr marL="0" indent="0" algn="l">
-              <a:lnSpc>
-                <a:spcPct val="120000"/>
-              </a:lnSpc>
-              <a:spcBef>
-                <a:spcPts val="0"/>
-              </a:spcBef>
-              <a:buNone/>
-            </a:pPr>
-            <a:r>
-              <a:rPr lang="en-US" sz="1200" b="0" i="0" dirty="0">
-                <a:effectLst/>
-                <a:latin typeface="Trebuchet MS" panose="020B0603020202020204" pitchFamily="34" charset="0"/>
-              </a:rPr>
-              <a:t>	     </a:t>
-            </a:r>
-            <a:r>
-              <a:rPr lang="en-US" sz="1200" b="0" i="0" dirty="0" err="1">
-                <a:effectLst/>
-                <a:latin typeface="Trebuchet MS" panose="020B0603020202020204" pitchFamily="34" charset="0"/>
-              </a:rPr>
-              <a:t>free_sulfur_dioxide</a:t>
-            </a:r>
-            <a:r>
-              <a:rPr lang="en-US" sz="1200" b="0" i="0" dirty="0">
-                <a:effectLst/>
-                <a:latin typeface="Trebuchet MS" panose="020B0603020202020204" pitchFamily="34" charset="0"/>
-              </a:rPr>
-              <a:t> float ,</a:t>
-            </a:r>
-          </a:p>
-          <a:p>
-            <a:pPr marL="0" indent="0" algn="l">
-              <a:lnSpc>
-                <a:spcPct val="120000"/>
-              </a:lnSpc>
-              <a:spcBef>
-                <a:spcPts val="0"/>
-              </a:spcBef>
-              <a:buNone/>
-            </a:pPr>
-            <a:r>
-              <a:rPr lang="en-US" sz="1200" b="0" i="0" dirty="0">
-                <a:effectLst/>
-                <a:latin typeface="Trebuchet MS" panose="020B0603020202020204" pitchFamily="34" charset="0"/>
-              </a:rPr>
-              <a:t>	     </a:t>
-            </a:r>
-            <a:r>
-              <a:rPr lang="en-US" sz="1200" b="0" i="0" dirty="0" err="1">
-                <a:effectLst/>
-                <a:latin typeface="Trebuchet MS" panose="020B0603020202020204" pitchFamily="34" charset="0"/>
-              </a:rPr>
-              <a:t>total_sulfur_dioxide</a:t>
-            </a:r>
-            <a:r>
-              <a:rPr lang="en-US" sz="1200" b="0" i="0" dirty="0">
-                <a:effectLst/>
-                <a:latin typeface="Trebuchet MS" panose="020B0603020202020204" pitchFamily="34" charset="0"/>
-              </a:rPr>
-              <a:t> float ,</a:t>
-            </a:r>
-          </a:p>
-          <a:p>
-            <a:pPr marL="0" indent="0" algn="l">
-              <a:lnSpc>
-                <a:spcPct val="120000"/>
-              </a:lnSpc>
-              <a:spcBef>
-                <a:spcPts val="0"/>
-              </a:spcBef>
-              <a:buNone/>
-            </a:pPr>
-            <a:r>
-              <a:rPr lang="en-US" sz="1200" b="0" i="0" dirty="0">
-                <a:effectLst/>
-                <a:latin typeface="Trebuchet MS" panose="020B0603020202020204" pitchFamily="34" charset="0"/>
-              </a:rPr>
-              <a:t>	     density float ,</a:t>
-            </a:r>
-          </a:p>
-          <a:p>
-            <a:pPr marL="0" indent="0" algn="l">
-              <a:lnSpc>
-                <a:spcPct val="120000"/>
-              </a:lnSpc>
-              <a:spcBef>
-                <a:spcPts val="0"/>
-              </a:spcBef>
-              <a:buNone/>
-            </a:pPr>
-            <a:r>
-              <a:rPr lang="en-US" sz="1200" b="0" i="0" dirty="0">
-                <a:effectLst/>
-                <a:latin typeface="Trebuchet MS" panose="020B0603020202020204" pitchFamily="34" charset="0"/>
-              </a:rPr>
-              <a:t>	     sulphates float ,</a:t>
-            </a:r>
-          </a:p>
-          <a:p>
-            <a:pPr marL="0" indent="0" algn="l">
-              <a:lnSpc>
-                <a:spcPct val="120000"/>
-              </a:lnSpc>
-              <a:spcBef>
-                <a:spcPts val="0"/>
-              </a:spcBef>
-              <a:buNone/>
-            </a:pPr>
-            <a:r>
-              <a:rPr lang="en-US" sz="1200" dirty="0">
-                <a:latin typeface="Trebuchet MS" panose="020B0603020202020204" pitchFamily="34" charset="0"/>
-              </a:rPr>
-              <a:t>	     </a:t>
-            </a:r>
-            <a:r>
-              <a:rPr lang="en-US" sz="1200" b="0" i="0" dirty="0">
-                <a:effectLst/>
-                <a:latin typeface="Trebuchet MS" panose="020B0603020202020204" pitchFamily="34" charset="0"/>
-              </a:rPr>
-              <a:t>alcohol float ,</a:t>
-            </a:r>
-          </a:p>
-          <a:p>
-            <a:pPr marL="0" indent="0" algn="l">
-              <a:lnSpc>
-                <a:spcPct val="120000"/>
-              </a:lnSpc>
-              <a:spcBef>
-                <a:spcPts val="0"/>
-              </a:spcBef>
-              <a:buNone/>
-            </a:pPr>
-            <a:r>
-              <a:rPr lang="en-US" sz="1200" dirty="0">
-                <a:latin typeface="Trebuchet MS" panose="020B0603020202020204" pitchFamily="34" charset="0"/>
-              </a:rPr>
-              <a:t>  	     </a:t>
-            </a:r>
-            <a:r>
-              <a:rPr lang="en-US" sz="1200" b="0" i="0" dirty="0">
-                <a:effectLst/>
-                <a:latin typeface="Trebuchet MS" panose="020B0603020202020204" pitchFamily="34" charset="0"/>
-              </a:rPr>
-              <a:t>pH float ,</a:t>
-            </a:r>
-          </a:p>
-          <a:p>
-            <a:pPr marL="0" indent="0" algn="l">
-              <a:lnSpc>
-                <a:spcPct val="120000"/>
-              </a:lnSpc>
-              <a:spcBef>
-                <a:spcPts val="0"/>
-              </a:spcBef>
-              <a:buNone/>
-            </a:pPr>
-            <a:r>
-              <a:rPr lang="en-US" sz="1200" b="0" i="0" dirty="0">
-                <a:effectLst/>
-                <a:latin typeface="Trebuchet MS" panose="020B0603020202020204" pitchFamily="34" charset="0"/>
-              </a:rPr>
-              <a:t>	</a:t>
-            </a:r>
-            <a:r>
-              <a:rPr lang="en-US" sz="1200" dirty="0">
-                <a:latin typeface="Trebuchet MS" panose="020B0603020202020204" pitchFamily="34" charset="0"/>
-              </a:rPr>
-              <a:t>     </a:t>
-            </a:r>
-            <a:r>
-              <a:rPr lang="en-US" sz="1200" b="0" i="0" dirty="0">
-                <a:effectLst/>
-                <a:latin typeface="Trebuchet MS" panose="020B0603020202020204" pitchFamily="34" charset="0"/>
-              </a:rPr>
-              <a:t>quality float</a:t>
-            </a:r>
-          </a:p>
-          <a:p>
-            <a:pPr marL="0" indent="0" algn="l">
-              <a:lnSpc>
-                <a:spcPct val="120000"/>
-              </a:lnSpc>
-              <a:spcBef>
-                <a:spcPts val="0"/>
-              </a:spcBef>
-              <a:buNone/>
-            </a:pPr>
-            <a:r>
-              <a:rPr lang="en-US" sz="1200" b="0" i="0" dirty="0">
-                <a:effectLst/>
-                <a:latin typeface="Trebuchet MS" panose="020B0603020202020204" pitchFamily="34" charset="0"/>
-              </a:rPr>
-              <a:t>);</a:t>
-            </a:r>
-          </a:p>
-          <a:p>
-            <a:pPr marL="0" indent="0" algn="l">
-              <a:lnSpc>
-                <a:spcPct val="120000"/>
-              </a:lnSpc>
-              <a:spcBef>
-                <a:spcPts val="0"/>
-              </a:spcBef>
-              <a:buNone/>
-            </a:pPr>
-            <a:endParaRPr lang="en-US" sz="1200" b="0" i="0" dirty="0">
-              <a:effectLst/>
-              <a:latin typeface="Trebuchet MS" panose="020B0603020202020204" pitchFamily="34" charset="0"/>
-            </a:endParaRPr>
-          </a:p>
-          <a:p>
-            <a:pPr marL="0" indent="0" algn="l">
-              <a:lnSpc>
-                <a:spcPct val="120000"/>
-              </a:lnSpc>
-              <a:spcBef>
-                <a:spcPts val="0"/>
-              </a:spcBef>
-              <a:buNone/>
-            </a:pPr>
-            <a:r>
-              <a:rPr lang="en-US" sz="1200" b="0" i="0" dirty="0">
-                <a:effectLst/>
-                <a:latin typeface="Trebuchet MS" panose="020B0603020202020204" pitchFamily="34" charset="0"/>
-              </a:rPr>
-              <a:t>ALTER TABLE </a:t>
-            </a:r>
-            <a:r>
-              <a:rPr lang="en-US" sz="1200" b="0" i="0" dirty="0" err="1">
-                <a:effectLst/>
-                <a:latin typeface="Trebuchet MS" panose="020B0603020202020204" pitchFamily="34" charset="0"/>
-              </a:rPr>
-              <a:t>red_wine</a:t>
-            </a:r>
-            <a:r>
-              <a:rPr lang="en-US" sz="1200" b="0" i="0" dirty="0">
-                <a:effectLst/>
-                <a:latin typeface="Trebuchet MS" panose="020B0603020202020204" pitchFamily="34" charset="0"/>
-              </a:rPr>
-              <a:t> ADD COLUMN ID SERIAL PRIMARY KEY;</a:t>
-            </a:r>
-          </a:p>
-          <a:p>
-            <a:pPr marL="0" indent="0" algn="l">
-              <a:lnSpc>
-                <a:spcPct val="120000"/>
-              </a:lnSpc>
-              <a:spcBef>
-                <a:spcPts val="0"/>
-              </a:spcBef>
-              <a:buNone/>
-            </a:pPr>
-            <a:r>
-              <a:rPr lang="en-US" sz="1200" b="0" i="0" dirty="0">
-                <a:effectLst/>
-                <a:latin typeface="Trebuchet MS" panose="020B0603020202020204" pitchFamily="34" charset="0"/>
-              </a:rPr>
-              <a:t>ALTER TABLE </a:t>
-            </a:r>
-            <a:r>
-              <a:rPr lang="en-US" sz="1200" b="0" i="0" dirty="0" err="1">
-                <a:effectLst/>
-                <a:latin typeface="Trebuchet MS" panose="020B0603020202020204" pitchFamily="34" charset="0"/>
-              </a:rPr>
-              <a:t>red_wine</a:t>
-            </a:r>
-            <a:r>
-              <a:rPr lang="en-US" sz="1200" b="0" i="0" dirty="0">
-                <a:effectLst/>
-                <a:latin typeface="Trebuchet MS" panose="020B0603020202020204" pitchFamily="34" charset="0"/>
-              </a:rPr>
-              <a:t> ADD color varchar(5) DEFAULT 'red’ ;</a:t>
-            </a:r>
-          </a:p>
-          <a:p>
-            <a:pPr marL="0" indent="0" algn="l">
-              <a:lnSpc>
-                <a:spcPct val="120000"/>
-              </a:lnSpc>
-              <a:spcBef>
-                <a:spcPts val="0"/>
-              </a:spcBef>
-              <a:buNone/>
-            </a:pPr>
-            <a:endParaRPr lang="en-US" sz="1200" b="0" i="0" dirty="0">
-              <a:effectLst/>
-              <a:latin typeface="Trebuchet MS" panose="020B0603020202020204" pitchFamily="34" charset="0"/>
-            </a:endParaRPr>
-          </a:p>
-          <a:p>
-            <a:pPr marL="0" indent="0" algn="l">
-              <a:lnSpc>
-                <a:spcPct val="120000"/>
-              </a:lnSpc>
-              <a:spcBef>
-                <a:spcPts val="0"/>
-              </a:spcBef>
-              <a:buNone/>
-            </a:pPr>
-            <a:endParaRPr lang="en-US" sz="1200" b="0" i="0" dirty="0">
-              <a:effectLst/>
-              <a:latin typeface="Trebuchet MS" panose="020B0603020202020204" pitchFamily="34" charset="0"/>
-            </a:endParaRPr>
-          </a:p>
-          <a:p>
-            <a:pPr marL="0" indent="0" algn="l">
-              <a:lnSpc>
-                <a:spcPct val="120000"/>
-              </a:lnSpc>
-              <a:spcBef>
-                <a:spcPts val="0"/>
-              </a:spcBef>
-              <a:buNone/>
-            </a:pPr>
-            <a:endParaRPr lang="en-US" sz="1200" b="0" i="0" dirty="0">
-              <a:effectLst/>
-              <a:latin typeface="Trebuchet MS" panose="020B0603020202020204" pitchFamily="34" charset="0"/>
-            </a:endParaRPr>
-          </a:p>
-          <a:p>
-            <a:pPr marL="0" indent="0" algn="l">
-              <a:lnSpc>
-                <a:spcPct val="120000"/>
-              </a:lnSpc>
-              <a:spcBef>
-                <a:spcPts val="0"/>
-              </a:spcBef>
-              <a:buNone/>
-            </a:pPr>
-            <a:endParaRPr lang="en-US" sz="1200" dirty="0">
-              <a:latin typeface="Trebuchet MS" panose="020B0603020202020204" pitchFamily="34" charset="0"/>
-            </a:endParaRPr>
-          </a:p>
-          <a:p>
-            <a:pPr marL="0" indent="0" algn="l">
-              <a:lnSpc>
-                <a:spcPct val="120000"/>
-              </a:lnSpc>
-              <a:spcBef>
-                <a:spcPts val="0"/>
-              </a:spcBef>
-              <a:buNone/>
-            </a:pPr>
-            <a:endParaRPr lang="en-US" sz="1200" b="0" i="0" dirty="0">
-              <a:effectLst/>
-              <a:latin typeface="Trebuchet MS" panose="020B0603020202020204" pitchFamily="34" charset="0"/>
-            </a:endParaRPr>
-          </a:p>
-          <a:p>
-            <a:pPr marL="0" indent="0" algn="l">
-              <a:lnSpc>
-                <a:spcPct val="120000"/>
-              </a:lnSpc>
-              <a:spcBef>
-                <a:spcPts val="0"/>
-              </a:spcBef>
-              <a:buNone/>
-            </a:pPr>
-            <a:endParaRPr lang="en-US" sz="1200" dirty="0">
-              <a:latin typeface="Trebuchet MS" panose="020B0603020202020204" pitchFamily="34" charset="0"/>
-            </a:endParaRPr>
-          </a:p>
-          <a:p>
-            <a:pPr marL="0" indent="0" algn="l">
-              <a:lnSpc>
-                <a:spcPct val="120000"/>
-              </a:lnSpc>
-              <a:spcBef>
-                <a:spcPts val="0"/>
-              </a:spcBef>
-              <a:buNone/>
-            </a:pPr>
-            <a:endParaRPr lang="en-US" sz="1200" b="0" i="0" dirty="0">
-              <a:effectLst/>
-              <a:latin typeface="Trebuchet MS" panose="020B0603020202020204" pitchFamily="34" charset="0"/>
-            </a:endParaRPr>
-          </a:p>
-          <a:p>
-            <a:pPr marL="0" indent="0" algn="l">
-              <a:lnSpc>
-                <a:spcPct val="120000"/>
-              </a:lnSpc>
-              <a:spcBef>
-                <a:spcPts val="0"/>
-              </a:spcBef>
-              <a:buNone/>
-            </a:pPr>
-            <a:endParaRPr lang="en-US" sz="1200" b="0" i="0" dirty="0">
-              <a:effectLst/>
-              <a:latin typeface="Trebuchet MS" panose="020B0603020202020204" pitchFamily="34" charset="0"/>
-            </a:endParaRPr>
-          </a:p>
-          <a:p>
-            <a:pPr marL="0" indent="0" algn="l">
-              <a:lnSpc>
-                <a:spcPct val="120000"/>
-              </a:lnSpc>
-              <a:spcBef>
-                <a:spcPts val="0"/>
-              </a:spcBef>
-              <a:buNone/>
-            </a:pPr>
-            <a:r>
-              <a:rPr lang="en-US" sz="1200" b="0" i="0" dirty="0">
-                <a:effectLst/>
-                <a:latin typeface="Trebuchet MS" panose="020B0603020202020204" pitchFamily="34" charset="0"/>
-              </a:rPr>
-              <a:t>CREATE TABLE </a:t>
-            </a:r>
-            <a:r>
-              <a:rPr lang="en-US" sz="1200" b="0" i="0" dirty="0" err="1">
-                <a:effectLst/>
-                <a:latin typeface="Trebuchet MS" panose="020B0603020202020204" pitchFamily="34" charset="0"/>
-              </a:rPr>
-              <a:t>white_wine</a:t>
-            </a:r>
-            <a:r>
-              <a:rPr lang="en-US" sz="1200" b="0" i="0" dirty="0">
-                <a:effectLst/>
-                <a:latin typeface="Trebuchet MS" panose="020B0603020202020204" pitchFamily="34" charset="0"/>
-              </a:rPr>
-              <a:t> (</a:t>
-            </a:r>
-          </a:p>
-          <a:p>
-            <a:pPr marL="0" indent="0" algn="l">
-              <a:lnSpc>
-                <a:spcPct val="120000"/>
-              </a:lnSpc>
-              <a:spcBef>
-                <a:spcPts val="0"/>
-              </a:spcBef>
-              <a:buNone/>
-            </a:pPr>
-            <a:r>
-              <a:rPr lang="en-US" sz="1200" b="0" i="0" dirty="0">
-                <a:effectLst/>
-                <a:latin typeface="Trebuchet MS" panose="020B0603020202020204" pitchFamily="34" charset="0"/>
-              </a:rPr>
-              <a:t>     </a:t>
-            </a:r>
-            <a:r>
-              <a:rPr lang="en-US" sz="1200" b="0" i="0" dirty="0" err="1">
-                <a:effectLst/>
-                <a:latin typeface="Trebuchet MS" panose="020B0603020202020204" pitchFamily="34" charset="0"/>
-              </a:rPr>
-              <a:t>fixed_acidity</a:t>
-            </a:r>
-            <a:r>
-              <a:rPr lang="en-US" sz="1200" b="0" i="0" dirty="0">
-                <a:effectLst/>
-                <a:latin typeface="Trebuchet MS" panose="020B0603020202020204" pitchFamily="34" charset="0"/>
-              </a:rPr>
-              <a:t> float ,</a:t>
-            </a:r>
-          </a:p>
-          <a:p>
-            <a:pPr marL="0" indent="0" algn="l">
-              <a:lnSpc>
-                <a:spcPct val="120000"/>
-              </a:lnSpc>
-              <a:spcBef>
-                <a:spcPts val="0"/>
-              </a:spcBef>
-              <a:buNone/>
-            </a:pPr>
-            <a:r>
-              <a:rPr lang="en-US" sz="1200" b="0" i="0" dirty="0">
-                <a:effectLst/>
-                <a:latin typeface="Trebuchet MS" panose="020B0603020202020204" pitchFamily="34" charset="0"/>
-              </a:rPr>
-              <a:t>	     </a:t>
-            </a:r>
-            <a:r>
-              <a:rPr lang="en-US" sz="1200" b="0" i="0" dirty="0" err="1">
-                <a:effectLst/>
-                <a:latin typeface="Trebuchet MS" panose="020B0603020202020204" pitchFamily="34" charset="0"/>
-              </a:rPr>
-              <a:t>volatile_acidity</a:t>
-            </a:r>
-            <a:r>
-              <a:rPr lang="en-US" sz="1200" b="0" i="0" dirty="0">
-                <a:effectLst/>
-                <a:latin typeface="Trebuchet MS" panose="020B0603020202020204" pitchFamily="34" charset="0"/>
-              </a:rPr>
-              <a:t> float ,</a:t>
-            </a:r>
-          </a:p>
-          <a:p>
-            <a:pPr marL="0" indent="0" algn="l">
-              <a:lnSpc>
-                <a:spcPct val="120000"/>
-              </a:lnSpc>
-              <a:spcBef>
-                <a:spcPts val="0"/>
-              </a:spcBef>
-              <a:buNone/>
-            </a:pPr>
-            <a:r>
-              <a:rPr lang="en-US" sz="1200" b="0" i="0" dirty="0">
-                <a:effectLst/>
-                <a:latin typeface="Trebuchet MS" panose="020B0603020202020204" pitchFamily="34" charset="0"/>
-              </a:rPr>
-              <a:t>	     </a:t>
-            </a:r>
-            <a:r>
-              <a:rPr lang="en-US" sz="1200" b="0" i="0" dirty="0" err="1">
-                <a:effectLst/>
-                <a:latin typeface="Trebuchet MS" panose="020B0603020202020204" pitchFamily="34" charset="0"/>
-              </a:rPr>
-              <a:t>citric_acid</a:t>
-            </a:r>
-            <a:r>
-              <a:rPr lang="en-US" sz="1200" b="0" i="0" dirty="0">
-                <a:effectLst/>
-                <a:latin typeface="Trebuchet MS" panose="020B0603020202020204" pitchFamily="34" charset="0"/>
-              </a:rPr>
-              <a:t> float ,</a:t>
-            </a:r>
-          </a:p>
-          <a:p>
-            <a:pPr marL="0" indent="0" algn="l">
-              <a:lnSpc>
-                <a:spcPct val="120000"/>
-              </a:lnSpc>
-              <a:spcBef>
-                <a:spcPts val="0"/>
-              </a:spcBef>
-              <a:buNone/>
-            </a:pPr>
-            <a:r>
-              <a:rPr lang="en-US" sz="1200" b="0" i="0" dirty="0">
-                <a:effectLst/>
-                <a:latin typeface="Trebuchet MS" panose="020B0603020202020204" pitchFamily="34" charset="0"/>
-              </a:rPr>
-              <a:t>	     </a:t>
-            </a:r>
-            <a:r>
-              <a:rPr lang="en-US" sz="1200" b="0" i="0" dirty="0" err="1">
-                <a:effectLst/>
-                <a:latin typeface="Trebuchet MS" panose="020B0603020202020204" pitchFamily="34" charset="0"/>
-              </a:rPr>
-              <a:t>residual_sugar</a:t>
-            </a:r>
-            <a:r>
-              <a:rPr lang="en-US" sz="1200" b="0" i="0" dirty="0">
-                <a:effectLst/>
-                <a:latin typeface="Trebuchet MS" panose="020B0603020202020204" pitchFamily="34" charset="0"/>
-              </a:rPr>
-              <a:t> float ,</a:t>
-            </a:r>
-          </a:p>
-          <a:p>
-            <a:pPr marL="0" indent="0" algn="l">
-              <a:lnSpc>
-                <a:spcPct val="120000"/>
-              </a:lnSpc>
-              <a:spcBef>
-                <a:spcPts val="0"/>
-              </a:spcBef>
-              <a:buNone/>
-            </a:pPr>
-            <a:r>
-              <a:rPr lang="en-US" sz="1200" b="0" i="0" dirty="0">
-                <a:effectLst/>
-                <a:latin typeface="Trebuchet MS" panose="020B0603020202020204" pitchFamily="34" charset="0"/>
-              </a:rPr>
-              <a:t>	     chlorides float ,</a:t>
-            </a:r>
-          </a:p>
-          <a:p>
-            <a:pPr marL="0" indent="0" algn="l">
-              <a:lnSpc>
-                <a:spcPct val="120000"/>
-              </a:lnSpc>
-              <a:spcBef>
-                <a:spcPts val="0"/>
-              </a:spcBef>
-              <a:buNone/>
-            </a:pPr>
-            <a:r>
-              <a:rPr lang="en-US" sz="1200" b="0" i="0" dirty="0">
-                <a:effectLst/>
-                <a:latin typeface="Trebuchet MS" panose="020B0603020202020204" pitchFamily="34" charset="0"/>
-              </a:rPr>
-              <a:t>	     </a:t>
-            </a:r>
-            <a:r>
-              <a:rPr lang="en-US" sz="1200" b="0" i="0" dirty="0" err="1">
-                <a:effectLst/>
-                <a:latin typeface="Trebuchet MS" panose="020B0603020202020204" pitchFamily="34" charset="0"/>
-              </a:rPr>
-              <a:t>free_sulfur_dioxide</a:t>
-            </a:r>
-            <a:r>
-              <a:rPr lang="en-US" sz="1200" b="0" i="0" dirty="0">
-                <a:effectLst/>
-                <a:latin typeface="Trebuchet MS" panose="020B0603020202020204" pitchFamily="34" charset="0"/>
-              </a:rPr>
-              <a:t> float ,</a:t>
-            </a:r>
-          </a:p>
-          <a:p>
-            <a:pPr marL="0" indent="0" algn="l">
-              <a:lnSpc>
-                <a:spcPct val="120000"/>
-              </a:lnSpc>
-              <a:spcBef>
-                <a:spcPts val="0"/>
-              </a:spcBef>
-              <a:buNone/>
-            </a:pPr>
-            <a:r>
-              <a:rPr lang="en-US" sz="1200" b="0" i="0" dirty="0">
-                <a:effectLst/>
-                <a:latin typeface="Trebuchet MS" panose="020B0603020202020204" pitchFamily="34" charset="0"/>
-              </a:rPr>
-              <a:t>	     </a:t>
-            </a:r>
-            <a:r>
-              <a:rPr lang="en-US" sz="1200" b="0" i="0" dirty="0" err="1">
-                <a:effectLst/>
-                <a:latin typeface="Trebuchet MS" panose="020B0603020202020204" pitchFamily="34" charset="0"/>
-              </a:rPr>
-              <a:t>total_sulfur_dioxide</a:t>
-            </a:r>
-            <a:r>
-              <a:rPr lang="en-US" sz="1200" b="0" i="0" dirty="0">
-                <a:effectLst/>
-                <a:latin typeface="Trebuchet MS" panose="020B0603020202020204" pitchFamily="34" charset="0"/>
-              </a:rPr>
-              <a:t> float ,</a:t>
-            </a:r>
-          </a:p>
-          <a:p>
-            <a:pPr marL="0" indent="0" algn="l">
-              <a:lnSpc>
-                <a:spcPct val="120000"/>
-              </a:lnSpc>
-              <a:spcBef>
-                <a:spcPts val="0"/>
-              </a:spcBef>
-              <a:buNone/>
-            </a:pPr>
-            <a:r>
-              <a:rPr lang="en-US" sz="1200" b="0" i="0" dirty="0">
-                <a:effectLst/>
-                <a:latin typeface="Trebuchet MS" panose="020B0603020202020204" pitchFamily="34" charset="0"/>
-              </a:rPr>
-              <a:t>	     density float ,</a:t>
-            </a:r>
-          </a:p>
-          <a:p>
-            <a:pPr marL="0" indent="0" algn="l">
-              <a:lnSpc>
-                <a:spcPct val="120000"/>
-              </a:lnSpc>
-              <a:spcBef>
-                <a:spcPts val="0"/>
-              </a:spcBef>
-              <a:buNone/>
-            </a:pPr>
-            <a:r>
-              <a:rPr lang="en-US" sz="1200" b="0" i="0" dirty="0">
-                <a:effectLst/>
-                <a:latin typeface="Trebuchet MS" panose="020B0603020202020204" pitchFamily="34" charset="0"/>
-              </a:rPr>
-              <a:t>	     sulphates float ,</a:t>
-            </a:r>
-          </a:p>
-          <a:p>
-            <a:pPr marL="0" indent="0" algn="l">
-              <a:lnSpc>
-                <a:spcPct val="120000"/>
-              </a:lnSpc>
-              <a:spcBef>
-                <a:spcPts val="0"/>
-              </a:spcBef>
-              <a:buNone/>
-            </a:pPr>
-            <a:r>
-              <a:rPr lang="en-US" sz="1200" dirty="0">
-                <a:latin typeface="Trebuchet MS" panose="020B0603020202020204" pitchFamily="34" charset="0"/>
-              </a:rPr>
-              <a:t>	     </a:t>
-            </a:r>
-            <a:r>
-              <a:rPr lang="en-US" sz="1200" b="0" i="0" dirty="0">
-                <a:effectLst/>
-                <a:latin typeface="Trebuchet MS" panose="020B0603020202020204" pitchFamily="34" charset="0"/>
-              </a:rPr>
-              <a:t>alcohol float ,</a:t>
-            </a:r>
-          </a:p>
-          <a:p>
-            <a:pPr marL="0" indent="0" algn="l">
-              <a:lnSpc>
-                <a:spcPct val="120000"/>
-              </a:lnSpc>
-              <a:spcBef>
-                <a:spcPts val="0"/>
-              </a:spcBef>
-              <a:buNone/>
-            </a:pPr>
-            <a:r>
-              <a:rPr lang="en-US" sz="1200" dirty="0">
-                <a:latin typeface="Trebuchet MS" panose="020B0603020202020204" pitchFamily="34" charset="0"/>
-              </a:rPr>
-              <a:t>  	     </a:t>
-            </a:r>
-            <a:r>
-              <a:rPr lang="en-US" sz="1200" b="0" i="0" dirty="0">
-                <a:effectLst/>
-                <a:latin typeface="Trebuchet MS" panose="020B0603020202020204" pitchFamily="34" charset="0"/>
-              </a:rPr>
-              <a:t>pH float ,</a:t>
-            </a:r>
-          </a:p>
-          <a:p>
-            <a:pPr marL="0" indent="0" algn="l">
-              <a:lnSpc>
-                <a:spcPct val="120000"/>
-              </a:lnSpc>
-              <a:spcBef>
-                <a:spcPts val="0"/>
-              </a:spcBef>
-              <a:buNone/>
-            </a:pPr>
-            <a:r>
-              <a:rPr lang="en-US" sz="1200" b="0" i="0" dirty="0">
-                <a:effectLst/>
-                <a:latin typeface="Trebuchet MS" panose="020B0603020202020204" pitchFamily="34" charset="0"/>
-              </a:rPr>
-              <a:t>	</a:t>
-            </a:r>
-            <a:r>
-              <a:rPr lang="en-US" sz="1200" dirty="0">
-                <a:latin typeface="Trebuchet MS" panose="020B0603020202020204" pitchFamily="34" charset="0"/>
-              </a:rPr>
-              <a:t>     </a:t>
-            </a:r>
-            <a:r>
-              <a:rPr lang="en-US" sz="1200" b="0" i="0" dirty="0">
-                <a:effectLst/>
-                <a:latin typeface="Trebuchet MS" panose="020B0603020202020204" pitchFamily="34" charset="0"/>
-              </a:rPr>
-              <a:t>quality float</a:t>
-            </a:r>
-          </a:p>
-          <a:p>
-            <a:pPr marL="0" indent="0" algn="l">
-              <a:lnSpc>
-                <a:spcPct val="120000"/>
-              </a:lnSpc>
-              <a:spcBef>
-                <a:spcPts val="0"/>
-              </a:spcBef>
-              <a:buNone/>
-            </a:pPr>
-            <a:r>
-              <a:rPr lang="en-US" sz="1200" b="0" i="0" dirty="0">
-                <a:effectLst/>
-                <a:latin typeface="Trebuchet MS" panose="020B0603020202020204" pitchFamily="34" charset="0"/>
-              </a:rPr>
-              <a:t>);</a:t>
-            </a:r>
-          </a:p>
-          <a:p>
-            <a:pPr marL="0" indent="0" algn="l">
-              <a:lnSpc>
-                <a:spcPct val="120000"/>
-              </a:lnSpc>
-              <a:spcBef>
-                <a:spcPts val="0"/>
-              </a:spcBef>
-              <a:buNone/>
-            </a:pPr>
-            <a:endParaRPr lang="en-US" sz="1200" b="0" i="0" dirty="0">
-              <a:effectLst/>
-              <a:latin typeface="Trebuchet MS" panose="020B0603020202020204" pitchFamily="34" charset="0"/>
-            </a:endParaRPr>
-          </a:p>
-          <a:p>
-            <a:pPr marL="0" indent="0" algn="l">
-              <a:lnSpc>
-                <a:spcPct val="120000"/>
-              </a:lnSpc>
-              <a:spcBef>
-                <a:spcPts val="0"/>
-              </a:spcBef>
-              <a:buNone/>
-            </a:pPr>
-            <a:r>
-              <a:rPr lang="en-US" sz="1200" b="0" i="0" dirty="0">
-                <a:effectLst/>
-                <a:latin typeface="Trebuchet MS" panose="020B0603020202020204" pitchFamily="34" charset="0"/>
-              </a:rPr>
-              <a:t>ALTER TABLE </a:t>
-            </a:r>
-            <a:r>
-              <a:rPr lang="en-US" sz="1200" b="0" i="0" dirty="0" err="1">
-                <a:effectLst/>
-                <a:latin typeface="Trebuchet MS" panose="020B0603020202020204" pitchFamily="34" charset="0"/>
-              </a:rPr>
-              <a:t>white_wine</a:t>
-            </a:r>
-            <a:r>
-              <a:rPr lang="en-US" sz="1200" b="0" i="0" dirty="0">
-                <a:effectLst/>
-                <a:latin typeface="Trebuchet MS" panose="020B0603020202020204" pitchFamily="34" charset="0"/>
-              </a:rPr>
-              <a:t> ADD COLUMN ID SERIAL PRIMARY KEY;</a:t>
-            </a:r>
-          </a:p>
-          <a:p>
-            <a:pPr marL="0" indent="0" algn="l">
-              <a:lnSpc>
-                <a:spcPct val="120000"/>
-              </a:lnSpc>
-              <a:spcBef>
-                <a:spcPts val="0"/>
-              </a:spcBef>
-              <a:buNone/>
-            </a:pPr>
-            <a:r>
-              <a:rPr lang="en-US" sz="1200" b="0" i="0" dirty="0">
-                <a:effectLst/>
-                <a:latin typeface="Trebuchet MS" panose="020B0603020202020204" pitchFamily="34" charset="0"/>
-              </a:rPr>
-              <a:t>ALTER TABLE </a:t>
-            </a:r>
-            <a:r>
-              <a:rPr lang="en-US" sz="1200" b="0" i="0" dirty="0" err="1">
-                <a:effectLst/>
-                <a:latin typeface="Trebuchet MS" panose="020B0603020202020204" pitchFamily="34" charset="0"/>
-              </a:rPr>
-              <a:t>white_wine</a:t>
-            </a:r>
-            <a:r>
-              <a:rPr lang="en-US" sz="1200" b="0" i="0" dirty="0">
-                <a:effectLst/>
-                <a:latin typeface="Trebuchet MS" panose="020B0603020202020204" pitchFamily="34" charset="0"/>
-              </a:rPr>
-              <a:t> ADD color varchar(5) DEFAULT 'white' ;</a:t>
-            </a:r>
-          </a:p>
-          <a:p>
-            <a:pPr marL="0" indent="0" algn="l">
-              <a:lnSpc>
-                <a:spcPct val="120000"/>
-              </a:lnSpc>
-              <a:spcBef>
-                <a:spcPts val="0"/>
-              </a:spcBef>
-              <a:buNone/>
-            </a:pPr>
-            <a:endParaRPr lang="en-US" sz="1200" b="0" i="0" dirty="0">
-              <a:effectLst/>
-              <a:latin typeface="Trebuchet MS" panose="020B0603020202020204" pitchFamily="34" charset="0"/>
-            </a:endParaRPr>
-          </a:p>
-          <a:p>
-            <a:pPr marL="0" indent="0" algn="l">
-              <a:lnSpc>
-                <a:spcPct val="120000"/>
-              </a:lnSpc>
-              <a:spcBef>
-                <a:spcPts val="0"/>
-              </a:spcBef>
-              <a:buNone/>
-            </a:pPr>
-            <a:r>
-              <a:rPr lang="en-US" sz="1200" b="0" i="0" dirty="0">
-                <a:effectLst/>
-                <a:latin typeface="Trebuchet MS" panose="020B0603020202020204" pitchFamily="34" charset="0"/>
-              </a:rPr>
-              <a:t>UPDATE </a:t>
-            </a:r>
-            <a:r>
-              <a:rPr lang="en-US" sz="1200" b="0" i="0" dirty="0" err="1">
-                <a:effectLst/>
-                <a:latin typeface="Trebuchet MS" panose="020B0603020202020204" pitchFamily="34" charset="0"/>
-              </a:rPr>
-              <a:t>white_wine</a:t>
-            </a:r>
-            <a:r>
-              <a:rPr lang="en-US" sz="1200" b="0" i="0" dirty="0">
-                <a:effectLst/>
-                <a:latin typeface="Trebuchet MS" panose="020B0603020202020204" pitchFamily="34" charset="0"/>
-              </a:rPr>
-              <a:t> SET ID = ID+20000 ;</a:t>
-            </a:r>
-          </a:p>
-          <a:p>
-            <a:pPr marL="0" indent="0" algn="l">
-              <a:lnSpc>
-                <a:spcPct val="120000"/>
-              </a:lnSpc>
-              <a:spcBef>
-                <a:spcPts val="0"/>
-              </a:spcBef>
-              <a:buNone/>
-            </a:pPr>
-            <a:endParaRPr lang="en-US" sz="1200" b="0" i="0" dirty="0">
-              <a:effectLst/>
-              <a:latin typeface="Trebuchet MS" panose="020B0603020202020204" pitchFamily="34" charset="0"/>
-            </a:endParaRPr>
-          </a:p>
-          <a:p>
-            <a:pPr marL="0" indent="0" algn="l">
-              <a:lnSpc>
-                <a:spcPct val="120000"/>
-              </a:lnSpc>
-              <a:spcBef>
-                <a:spcPts val="0"/>
-              </a:spcBef>
-              <a:buNone/>
-            </a:pPr>
-            <a:r>
-              <a:rPr lang="en-US" sz="1200" b="0" i="0" dirty="0">
-                <a:effectLst/>
-                <a:latin typeface="Trebuchet MS" panose="020B0603020202020204" pitchFamily="34" charset="0"/>
-              </a:rPr>
-              <a:t>CREATE TABLE </a:t>
-            </a:r>
-            <a:r>
-              <a:rPr lang="en-US" sz="1200" b="0" i="0" dirty="0" err="1">
-                <a:effectLst/>
-                <a:latin typeface="Trebuchet MS" panose="020B0603020202020204" pitchFamily="34" charset="0"/>
-              </a:rPr>
-              <a:t>all_wines</a:t>
-            </a:r>
-            <a:r>
-              <a:rPr lang="en-US" sz="1200" b="0" i="0" dirty="0">
-                <a:effectLst/>
-                <a:latin typeface="Trebuchet MS" panose="020B0603020202020204" pitchFamily="34" charset="0"/>
-              </a:rPr>
-              <a:t> AS (SELECT * FROM </a:t>
-            </a:r>
-            <a:r>
-              <a:rPr lang="en-US" sz="1200" b="0" i="0" dirty="0" err="1">
-                <a:effectLst/>
-                <a:latin typeface="Trebuchet MS" panose="020B0603020202020204" pitchFamily="34" charset="0"/>
-              </a:rPr>
-              <a:t>red_wine</a:t>
-            </a:r>
-            <a:r>
-              <a:rPr lang="en-US" sz="1200" b="0" i="0" dirty="0">
-                <a:effectLst/>
-                <a:latin typeface="Trebuchet MS" panose="020B0603020202020204" pitchFamily="34" charset="0"/>
-              </a:rPr>
-              <a:t>);</a:t>
-            </a:r>
-          </a:p>
-          <a:p>
-            <a:pPr marL="0" indent="0" algn="l">
-              <a:lnSpc>
-                <a:spcPct val="120000"/>
-              </a:lnSpc>
-              <a:spcBef>
-                <a:spcPts val="0"/>
-              </a:spcBef>
-              <a:buNone/>
-            </a:pPr>
-            <a:r>
-              <a:rPr lang="en-US" sz="1200" b="0" i="0" dirty="0">
-                <a:effectLst/>
-                <a:latin typeface="Trebuchet MS" panose="020B0603020202020204" pitchFamily="34" charset="0"/>
-              </a:rPr>
-              <a:t>INSERT INTO </a:t>
-            </a:r>
-            <a:r>
-              <a:rPr lang="en-US" sz="1200" b="0" i="0" dirty="0" err="1">
-                <a:effectLst/>
-                <a:latin typeface="Trebuchet MS" panose="020B0603020202020204" pitchFamily="34" charset="0"/>
-              </a:rPr>
-              <a:t>all_wines</a:t>
-            </a:r>
-            <a:r>
-              <a:rPr lang="en-US" sz="1200" b="0" i="0" dirty="0">
-                <a:effectLst/>
-                <a:latin typeface="Trebuchet MS" panose="020B0603020202020204" pitchFamily="34" charset="0"/>
-              </a:rPr>
-              <a:t> SELECT * FROM </a:t>
-            </a:r>
-            <a:r>
-              <a:rPr lang="en-US" sz="1200" b="0" i="0" dirty="0" err="1">
-                <a:effectLst/>
-                <a:latin typeface="Trebuchet MS" panose="020B0603020202020204" pitchFamily="34" charset="0"/>
-              </a:rPr>
-              <a:t>white_wine</a:t>
-            </a:r>
-            <a:r>
-              <a:rPr lang="en-US" sz="1200" b="0" i="0" dirty="0">
-                <a:effectLst/>
-                <a:latin typeface="Trebuchet MS" panose="020B0603020202020204" pitchFamily="34" charset="0"/>
-              </a:rPr>
-              <a:t>;</a:t>
-            </a:r>
-          </a:p>
-          <a:p>
-            <a:pPr marL="0" indent="0" algn="l">
-              <a:lnSpc>
-                <a:spcPct val="120000"/>
-              </a:lnSpc>
               <a:buNone/>
             </a:pPr>
             <a:endParaRPr lang="en-US" sz="1200" b="0" i="0" dirty="0">
@@ -5827,7 +4647,7 @@
                 </a:solidFill>
                 <a:latin typeface="Trebuchet MS" panose="020B0603020202020204" pitchFamily="34" charset="0"/>
               </a:rPr>
-              <a:t>Model Performance Measures</a:t>
+              <a:t>Which model performed the best?</a:t>
             </a:r>
           </a:p>
         </p:txBody>
